--- a/Project(장대건)/ppt/KB2023_DB_PROJECT_PPT_대건.pptx
+++ b/Project(장대건)/ppt/KB2023_DB_PROJECT_PPT_대건.pptx
@@ -4177,8 +4177,8 @@
         </p:blipFill>
         <p:spPr>
           <a:xfrm>
-            <a:off x="1022593" y="1756434"/>
-            <a:ext cx="5219850" cy="1468146"/>
+            <a:off x="1022597" y="1756435"/>
+            <a:ext cx="5219574" cy="1449098"/>
           </a:xfrm>
           <a:prstGeom prst="rect">
             <a:avLst/>
@@ -6583,7 +6583,7 @@
         </p:blipFill>
         <p:spPr>
           <a:xfrm>
-            <a:off x="509722" y="409250"/>
+            <a:off x="519246" y="418774"/>
             <a:ext cx="9814499" cy="1674747"/>
           </a:xfrm>
           <a:prstGeom prst="rect">
